--- a/Cursor.pptx
+++ b/Cursor.pptx
@@ -13,20 +13,20 @@
     <p:sldId id="266" r:id="rId7"/>
     <p:sldId id="267" r:id="rId8"/>
     <p:sldId id="268" r:id="rId9"/>
-    <p:sldId id="269" r:id="rId10"/>
-    <p:sldId id="260" r:id="rId11"/>
-    <p:sldId id="257" r:id="rId12"/>
-    <p:sldId id="258" r:id="rId13"/>
-    <p:sldId id="259" r:id="rId14"/>
-    <p:sldId id="270" r:id="rId15"/>
-    <p:sldId id="271" r:id="rId16"/>
-    <p:sldId id="272" r:id="rId17"/>
-    <p:sldId id="273" r:id="rId18"/>
-    <p:sldId id="277" r:id="rId19"/>
-    <p:sldId id="278" r:id="rId20"/>
-    <p:sldId id="274" r:id="rId21"/>
-    <p:sldId id="279" r:id="rId22"/>
-    <p:sldId id="275" r:id="rId23"/>
+    <p:sldId id="260" r:id="rId10"/>
+    <p:sldId id="257" r:id="rId11"/>
+    <p:sldId id="258" r:id="rId12"/>
+    <p:sldId id="259" r:id="rId13"/>
+    <p:sldId id="270" r:id="rId14"/>
+    <p:sldId id="271" r:id="rId15"/>
+    <p:sldId id="272" r:id="rId16"/>
+    <p:sldId id="273" r:id="rId17"/>
+    <p:sldId id="277" r:id="rId18"/>
+    <p:sldId id="278" r:id="rId19"/>
+    <p:sldId id="274" r:id="rId20"/>
+    <p:sldId id="279" r:id="rId21"/>
+    <p:sldId id="275" r:id="rId22"/>
+    <p:sldId id="280" r:id="rId23"/>
   </p:sldIdLst>
   <p:sldSz cx="12192000" cy="6858000"/>
   <p:notesSz cx="6858000" cy="9144000"/>
@@ -282,7 +282,7 @@
           <a:p>
             <a:fld id="{8EB16614-5E77-456E-BDF0-3650958D0853}" type="datetimeFigureOut">
               <a:rPr lang="en-IN" smtClean="0"/>
-              <a:t>08-04-2025</a:t>
+              <a:t>14-04-2025</a:t>
             </a:fld>
             <a:endParaRPr lang="en-IN"/>
           </a:p>
@@ -482,7 +482,7 @@
           <a:p>
             <a:fld id="{8EB16614-5E77-456E-BDF0-3650958D0853}" type="datetimeFigureOut">
               <a:rPr lang="en-IN" smtClean="0"/>
-              <a:t>08-04-2025</a:t>
+              <a:t>14-04-2025</a:t>
             </a:fld>
             <a:endParaRPr lang="en-IN"/>
           </a:p>
@@ -692,7 +692,7 @@
           <a:p>
             <a:fld id="{8EB16614-5E77-456E-BDF0-3650958D0853}" type="datetimeFigureOut">
               <a:rPr lang="en-IN" smtClean="0"/>
-              <a:t>08-04-2025</a:t>
+              <a:t>14-04-2025</a:t>
             </a:fld>
             <a:endParaRPr lang="en-IN"/>
           </a:p>
@@ -892,7 +892,7 @@
           <a:p>
             <a:fld id="{8EB16614-5E77-456E-BDF0-3650958D0853}" type="datetimeFigureOut">
               <a:rPr lang="en-IN" smtClean="0"/>
-              <a:t>08-04-2025</a:t>
+              <a:t>14-04-2025</a:t>
             </a:fld>
             <a:endParaRPr lang="en-IN"/>
           </a:p>
@@ -1168,7 +1168,7 @@
           <a:p>
             <a:fld id="{8EB16614-5E77-456E-BDF0-3650958D0853}" type="datetimeFigureOut">
               <a:rPr lang="en-IN" smtClean="0"/>
-              <a:t>08-04-2025</a:t>
+              <a:t>14-04-2025</a:t>
             </a:fld>
             <a:endParaRPr lang="en-IN"/>
           </a:p>
@@ -1436,7 +1436,7 @@
           <a:p>
             <a:fld id="{8EB16614-5E77-456E-BDF0-3650958D0853}" type="datetimeFigureOut">
               <a:rPr lang="en-IN" smtClean="0"/>
-              <a:t>08-04-2025</a:t>
+              <a:t>14-04-2025</a:t>
             </a:fld>
             <a:endParaRPr lang="en-IN"/>
           </a:p>
@@ -1851,7 +1851,7 @@
           <a:p>
             <a:fld id="{8EB16614-5E77-456E-BDF0-3650958D0853}" type="datetimeFigureOut">
               <a:rPr lang="en-IN" smtClean="0"/>
-              <a:t>08-04-2025</a:t>
+              <a:t>14-04-2025</a:t>
             </a:fld>
             <a:endParaRPr lang="en-IN"/>
           </a:p>
@@ -1993,7 +1993,7 @@
           <a:p>
             <a:fld id="{8EB16614-5E77-456E-BDF0-3650958D0853}" type="datetimeFigureOut">
               <a:rPr lang="en-IN" smtClean="0"/>
-              <a:t>08-04-2025</a:t>
+              <a:t>14-04-2025</a:t>
             </a:fld>
             <a:endParaRPr lang="en-IN"/>
           </a:p>
@@ -2106,7 +2106,7 @@
           <a:p>
             <a:fld id="{8EB16614-5E77-456E-BDF0-3650958D0853}" type="datetimeFigureOut">
               <a:rPr lang="en-IN" smtClean="0"/>
-              <a:t>08-04-2025</a:t>
+              <a:t>14-04-2025</a:t>
             </a:fld>
             <a:endParaRPr lang="en-IN"/>
           </a:p>
@@ -2419,7 +2419,7 @@
           <a:p>
             <a:fld id="{8EB16614-5E77-456E-BDF0-3650958D0853}" type="datetimeFigureOut">
               <a:rPr lang="en-IN" smtClean="0"/>
-              <a:t>08-04-2025</a:t>
+              <a:t>14-04-2025</a:t>
             </a:fld>
             <a:endParaRPr lang="en-IN"/>
           </a:p>
@@ -2708,7 +2708,7 @@
           <a:p>
             <a:fld id="{8EB16614-5E77-456E-BDF0-3650958D0853}" type="datetimeFigureOut">
               <a:rPr lang="en-IN" smtClean="0"/>
-              <a:t>08-04-2025</a:t>
+              <a:t>14-04-2025</a:t>
             </a:fld>
             <a:endParaRPr lang="en-IN"/>
           </a:p>
@@ -2951,7 +2951,7 @@
           <a:p>
             <a:fld id="{8EB16614-5E77-456E-BDF0-3650958D0853}" type="datetimeFigureOut">
               <a:rPr lang="en-IN" smtClean="0"/>
-              <a:t>08-04-2025</a:t>
+              <a:t>14-04-2025</a:t>
             </a:fld>
             <a:endParaRPr lang="en-IN"/>
           </a:p>
@@ -3580,66 +3580,6 @@
       </p:grpSpPr>
       <p:pic>
         <p:nvPicPr>
-          <p:cNvPr id="4" name="Picture 3">
-            <a:extLst>
-              <a:ext uri="{FF2B5EF4-FFF2-40B4-BE49-F238E27FC236}">
-                <a16:creationId xmlns:a16="http://schemas.microsoft.com/office/drawing/2014/main" id="{95FDF124-0580-6C31-CF6F-1D6F5B406ED1}"/>
-              </a:ext>
-            </a:extLst>
-          </p:cNvPr>
-          <p:cNvPicPr>
-            <a:picLocks noChangeAspect="1"/>
-          </p:cNvPicPr>
-          <p:nvPr/>
-        </p:nvPicPr>
-        <p:blipFill>
-          <a:blip r:embed="rId2"/>
-          <a:stretch>
-            <a:fillRect/>
-          </a:stretch>
-        </p:blipFill>
-        <p:spPr>
-          <a:xfrm>
-            <a:off x="2330256" y="1015876"/>
-            <a:ext cx="7531487" cy="4826248"/>
-          </a:xfrm>
-          <a:prstGeom prst="rect">
-            <a:avLst/>
-          </a:prstGeom>
-        </p:spPr>
-      </p:pic>
-    </p:spTree>
-    <p:extLst>
-      <p:ext uri="{BB962C8B-B14F-4D97-AF65-F5344CB8AC3E}">
-        <p14:creationId xmlns:p14="http://schemas.microsoft.com/office/powerpoint/2010/main" val="2533351174"/>
-      </p:ext>
-    </p:extLst>
-  </p:cSld>
-  <p:clrMapOvr>
-    <a:masterClrMapping/>
-  </p:clrMapOvr>
-</p:sld>
-</file>
-
-<file path=ppt/slides/slide11.xml><?xml version="1.0" encoding="utf-8"?>
-<p:sld xmlns:a="http://schemas.openxmlformats.org/drawingml/2006/main" xmlns:r="http://schemas.openxmlformats.org/officeDocument/2006/relationships" xmlns:p="http://schemas.openxmlformats.org/presentationml/2006/main">
-  <p:cSld>
-    <p:spTree>
-      <p:nvGrpSpPr>
-        <p:cNvPr id="1" name=""/>
-        <p:cNvGrpSpPr/>
-        <p:nvPr/>
-      </p:nvGrpSpPr>
-      <p:grpSpPr>
-        <a:xfrm>
-          <a:off x="0" y="0"/>
-          <a:ext cx="0" cy="0"/>
-          <a:chOff x="0" y="0"/>
-          <a:chExt cx="0" cy="0"/>
-        </a:xfrm>
-      </p:grpSpPr>
-      <p:pic>
-        <p:nvPicPr>
           <p:cNvPr id="5" name="Picture 4">
             <a:extLst>
               <a:ext uri="{FF2B5EF4-FFF2-40B4-BE49-F238E27FC236}">
@@ -3681,7 +3621,7 @@
 </p:sld>
 </file>
 
-<file path=ppt/slides/slide12.xml><?xml version="1.0" encoding="utf-8"?>
+<file path=ppt/slides/slide11.xml><?xml version="1.0" encoding="utf-8"?>
 <p:sld xmlns:a="http://schemas.openxmlformats.org/drawingml/2006/main" xmlns:r="http://schemas.openxmlformats.org/officeDocument/2006/relationships" xmlns:p="http://schemas.openxmlformats.org/presentationml/2006/main">
   <p:cSld>
     <p:spTree>
@@ -3791,7 +3731,7 @@
 </p:sld>
 </file>
 
-<file path=ppt/slides/slide13.xml><?xml version="1.0" encoding="utf-8"?>
+<file path=ppt/slides/slide12.xml><?xml version="1.0" encoding="utf-8"?>
 <p:sld xmlns:a="http://schemas.openxmlformats.org/drawingml/2006/main" xmlns:r="http://schemas.openxmlformats.org/officeDocument/2006/relationships" xmlns:p="http://schemas.openxmlformats.org/presentationml/2006/main">
   <p:cSld>
     <p:spTree>
@@ -3881,7 +3821,7 @@
 </p:sld>
 </file>
 
-<file path=ppt/slides/slide14.xml><?xml version="1.0" encoding="utf-8"?>
+<file path=ppt/slides/slide13.xml><?xml version="1.0" encoding="utf-8"?>
 <p:sld xmlns:a="http://schemas.openxmlformats.org/drawingml/2006/main" xmlns:r="http://schemas.openxmlformats.org/officeDocument/2006/relationships" xmlns:p="http://schemas.openxmlformats.org/presentationml/2006/main">
   <p:cSld>
     <p:spTree>
@@ -3991,7 +3931,7 @@
 </p:sld>
 </file>
 
-<file path=ppt/slides/slide15.xml><?xml version="1.0" encoding="utf-8"?>
+<file path=ppt/slides/slide14.xml><?xml version="1.0" encoding="utf-8"?>
 <p:sld xmlns:a="http://schemas.openxmlformats.org/drawingml/2006/main" xmlns:r="http://schemas.openxmlformats.org/officeDocument/2006/relationships" xmlns:p="http://schemas.openxmlformats.org/presentationml/2006/main">
   <p:cSld>
     <p:spTree>
@@ -4101,7 +4041,7 @@
 </p:sld>
 </file>
 
-<file path=ppt/slides/slide16.xml><?xml version="1.0" encoding="utf-8"?>
+<file path=ppt/slides/slide15.xml><?xml version="1.0" encoding="utf-8"?>
 <p:sld xmlns:a="http://schemas.openxmlformats.org/drawingml/2006/main" xmlns:r="http://schemas.openxmlformats.org/officeDocument/2006/relationships" xmlns:p="http://schemas.openxmlformats.org/presentationml/2006/main">
   <p:cSld>
     <p:spTree>
@@ -4211,7 +4151,7 @@
 </p:sld>
 </file>
 
-<file path=ppt/slides/slide17.xml><?xml version="1.0" encoding="utf-8"?>
+<file path=ppt/slides/slide16.xml><?xml version="1.0" encoding="utf-8"?>
 <p:sld xmlns:a="http://schemas.openxmlformats.org/drawingml/2006/main" xmlns:r="http://schemas.openxmlformats.org/officeDocument/2006/relationships" xmlns:p="http://schemas.openxmlformats.org/presentationml/2006/main">
   <p:cSld>
     <p:spTree>
@@ -4300,7 +4240,7 @@
 </p:sld>
 </file>
 
-<file path=ppt/slides/slide18.xml><?xml version="1.0" encoding="utf-8"?>
+<file path=ppt/slides/slide17.xml><?xml version="1.0" encoding="utf-8"?>
 <p:sld xmlns:a="http://schemas.openxmlformats.org/drawingml/2006/main" xmlns:r="http://schemas.openxmlformats.org/officeDocument/2006/relationships" xmlns:p="http://schemas.openxmlformats.org/presentationml/2006/main">
   <p:cSld>
     <p:spTree>
@@ -4360,7 +4300,7 @@
 </p:sld>
 </file>
 
-<file path=ppt/slides/slide19.xml><?xml version="1.0" encoding="utf-8"?>
+<file path=ppt/slides/slide18.xml><?xml version="1.0" encoding="utf-8"?>
 <p:sld xmlns:a="http://schemas.openxmlformats.org/drawingml/2006/main" xmlns:r="http://schemas.openxmlformats.org/officeDocument/2006/relationships" xmlns:p="http://schemas.openxmlformats.org/presentationml/2006/main">
   <p:cSld>
     <p:spTree>
@@ -4420,7 +4360,7 @@
 </p:sld>
 </file>
 
-<file path=ppt/slides/slide2.xml><?xml version="1.0" encoding="utf-8"?>
+<file path=ppt/slides/slide19.xml><?xml version="1.0" encoding="utf-8"?>
 <p:sld xmlns:a="http://schemas.openxmlformats.org/drawingml/2006/main" xmlns:r="http://schemas.openxmlformats.org/officeDocument/2006/relationships" xmlns:p="http://schemas.openxmlformats.org/presentationml/2006/main">
   <p:cSld>
     <p:spTree>
@@ -4439,133 +4379,6 @@
       </p:grpSpPr>
       <p:sp>
         <p:nvSpPr>
-          <p:cNvPr id="3" name="Content Placeholder 2">
-            <a:extLst>
-              <a:ext uri="{FF2B5EF4-FFF2-40B4-BE49-F238E27FC236}">
-                <a16:creationId xmlns:a16="http://schemas.microsoft.com/office/drawing/2014/main" id="{854429FA-8374-FC83-9BA9-457A04D6C7D4}"/>
-              </a:ext>
-            </a:extLst>
-          </p:cNvPr>
-          <p:cNvSpPr>
-            <a:spLocks noGrp="1"/>
-          </p:cNvSpPr>
-          <p:nvPr>
-            <p:ph idx="1"/>
-          </p:nvPr>
-        </p:nvSpPr>
-        <p:spPr>
-          <a:xfrm>
-            <a:off x="649224" y="292608"/>
-            <a:ext cx="10704576" cy="5884355"/>
-          </a:xfrm>
-        </p:spPr>
-        <p:txBody>
-          <a:bodyPr>
-            <a:normAutofit/>
-          </a:bodyPr>
-          <a:lstStyle/>
-          <a:p>
-            <a:pPr marL="0" indent="0">
-              <a:buNone/>
-            </a:pPr>
-            <a:r>
-              <a:rPr lang="en-IN" b="1" dirty="0">
-                <a:latin typeface="Arial Black" panose="020B0A04020102020204" pitchFamily="34" charset="0"/>
-              </a:rPr>
-              <a:t>Settings : </a:t>
-            </a:r>
-          </a:p>
-          <a:p>
-            <a:pPr marL="0" indent="0">
-              <a:buNone/>
-            </a:pPr>
-            <a:endParaRPr lang="en-IN" dirty="0"/>
-          </a:p>
-          <a:p>
-            <a:pPr marL="0" indent="0">
-              <a:buNone/>
-            </a:pPr>
-            <a:r>
-              <a:rPr lang="en-IN" dirty="0"/>
-              <a:t>Cursor is designed to be flexible and customizable. You can configure it in two ways:</a:t>
-            </a:r>
-          </a:p>
-          <a:p>
-            <a:r>
-              <a:rPr lang="en-IN" dirty="0"/>
-              <a:t>Cursor Settings - Access via gear icon, </a:t>
-            </a:r>
-            <a:r>
-              <a:rPr lang="en-IN" dirty="0" err="1"/>
-              <a:t>Cmd</a:t>
-            </a:r>
-            <a:r>
-              <a:rPr lang="en-IN" dirty="0"/>
-              <a:t>/Ctrl + Shift + J, or Command Palette &gt; Cursor Settings . Configure AI features and Cursor-specific preferences</a:t>
-            </a:r>
-          </a:p>
-          <a:p>
-            <a:pPr marL="0" indent="0">
-              <a:buNone/>
-            </a:pPr>
-            <a:endParaRPr lang="en-IN" dirty="0"/>
-          </a:p>
-          <a:p>
-            <a:r>
-              <a:rPr lang="en-IN" dirty="0"/>
-              <a:t>Editor Settings - Access via Command Palette (</a:t>
-            </a:r>
-            <a:r>
-              <a:rPr lang="en-IN" dirty="0" err="1"/>
-              <a:t>Cmd</a:t>
-            </a:r>
-            <a:r>
-              <a:rPr lang="en-IN" dirty="0"/>
-              <a:t>/Ctrl + Shift + P) &gt; "Preferences: Open Settings (UI)“ . Adjust editor </a:t>
-            </a:r>
-            <a:r>
-              <a:rPr lang="en-IN" dirty="0" err="1"/>
-              <a:t>behavior</a:t>
-            </a:r>
-            <a:r>
-              <a:rPr lang="en-IN" dirty="0"/>
-              <a:t> and appearance</a:t>
-            </a:r>
-          </a:p>
-        </p:txBody>
-      </p:sp>
-    </p:spTree>
-    <p:extLst>
-      <p:ext uri="{BB962C8B-B14F-4D97-AF65-F5344CB8AC3E}">
-        <p14:creationId xmlns:p14="http://schemas.microsoft.com/office/powerpoint/2010/main" val="2879231877"/>
-      </p:ext>
-    </p:extLst>
-  </p:cSld>
-  <p:clrMapOvr>
-    <a:masterClrMapping/>
-  </p:clrMapOvr>
-</p:sld>
-</file>
-
-<file path=ppt/slides/slide20.xml><?xml version="1.0" encoding="utf-8"?>
-<p:sld xmlns:a="http://schemas.openxmlformats.org/drawingml/2006/main" xmlns:r="http://schemas.openxmlformats.org/officeDocument/2006/relationships" xmlns:p="http://schemas.openxmlformats.org/presentationml/2006/main">
-  <p:cSld>
-    <p:spTree>
-      <p:nvGrpSpPr>
-        <p:cNvPr id="1" name=""/>
-        <p:cNvGrpSpPr/>
-        <p:nvPr/>
-      </p:nvGrpSpPr>
-      <p:grpSpPr>
-        <a:xfrm>
-          <a:off x="0" y="0"/>
-          <a:ext cx="0" cy="0"/>
-          <a:chOff x="0" y="0"/>
-          <a:chExt cx="0" cy="0"/>
-        </a:xfrm>
-      </p:grpSpPr>
-      <p:sp>
-        <p:nvSpPr>
           <p:cNvPr id="2" name="Title 1">
             <a:extLst>
               <a:ext uri="{FF2B5EF4-FFF2-40B4-BE49-F238E27FC236}">
@@ -4639,7 +4452,7 @@
         </p:blipFill>
         <p:spPr>
           <a:xfrm>
-            <a:off x="291801" y="1434346"/>
+            <a:off x="291801" y="1476288"/>
             <a:ext cx="11608397" cy="4629388"/>
           </a:xfrm>
           <a:prstGeom prst="rect">
@@ -4660,7 +4473,134 @@
 </p:sld>
 </file>
 
-<file path=ppt/slides/slide21.xml><?xml version="1.0" encoding="utf-8"?>
+<file path=ppt/slides/slide2.xml><?xml version="1.0" encoding="utf-8"?>
+<p:sld xmlns:a="http://schemas.openxmlformats.org/drawingml/2006/main" xmlns:r="http://schemas.openxmlformats.org/officeDocument/2006/relationships" xmlns:p="http://schemas.openxmlformats.org/presentationml/2006/main">
+  <p:cSld>
+    <p:spTree>
+      <p:nvGrpSpPr>
+        <p:cNvPr id="1" name=""/>
+        <p:cNvGrpSpPr/>
+        <p:nvPr/>
+      </p:nvGrpSpPr>
+      <p:grpSpPr>
+        <a:xfrm>
+          <a:off x="0" y="0"/>
+          <a:ext cx="0" cy="0"/>
+          <a:chOff x="0" y="0"/>
+          <a:chExt cx="0" cy="0"/>
+        </a:xfrm>
+      </p:grpSpPr>
+      <p:sp>
+        <p:nvSpPr>
+          <p:cNvPr id="3" name="Content Placeholder 2">
+            <a:extLst>
+              <a:ext uri="{FF2B5EF4-FFF2-40B4-BE49-F238E27FC236}">
+                <a16:creationId xmlns:a16="http://schemas.microsoft.com/office/drawing/2014/main" id="{854429FA-8374-FC83-9BA9-457A04D6C7D4}"/>
+              </a:ext>
+            </a:extLst>
+          </p:cNvPr>
+          <p:cNvSpPr>
+            <a:spLocks noGrp="1"/>
+          </p:cNvSpPr>
+          <p:nvPr>
+            <p:ph idx="1"/>
+          </p:nvPr>
+        </p:nvSpPr>
+        <p:spPr>
+          <a:xfrm>
+            <a:off x="649224" y="292608"/>
+            <a:ext cx="10704576" cy="5884355"/>
+          </a:xfrm>
+        </p:spPr>
+        <p:txBody>
+          <a:bodyPr>
+            <a:normAutofit/>
+          </a:bodyPr>
+          <a:lstStyle/>
+          <a:p>
+            <a:pPr marL="0" indent="0">
+              <a:buNone/>
+            </a:pPr>
+            <a:r>
+              <a:rPr lang="en-IN" b="1" dirty="0">
+                <a:latin typeface="Arial Black" panose="020B0A04020102020204" pitchFamily="34" charset="0"/>
+              </a:rPr>
+              <a:t>Settings : </a:t>
+            </a:r>
+          </a:p>
+          <a:p>
+            <a:pPr marL="0" indent="0">
+              <a:buNone/>
+            </a:pPr>
+            <a:endParaRPr lang="en-IN" dirty="0"/>
+          </a:p>
+          <a:p>
+            <a:pPr marL="0" indent="0">
+              <a:buNone/>
+            </a:pPr>
+            <a:r>
+              <a:rPr lang="en-IN" dirty="0"/>
+              <a:t>Cursor is designed to be flexible and customizable. You can configure it in two ways:</a:t>
+            </a:r>
+          </a:p>
+          <a:p>
+            <a:r>
+              <a:rPr lang="en-IN" dirty="0"/>
+              <a:t>Cursor Settings - Access via gear icon, </a:t>
+            </a:r>
+            <a:r>
+              <a:rPr lang="en-IN" dirty="0" err="1"/>
+              <a:t>Cmd</a:t>
+            </a:r>
+            <a:r>
+              <a:rPr lang="en-IN" dirty="0"/>
+              <a:t>/Ctrl + Shift + J, or Command Palette &gt; Cursor Settings . Configure AI features and Cursor-specific preferences</a:t>
+            </a:r>
+          </a:p>
+          <a:p>
+            <a:pPr marL="0" indent="0">
+              <a:buNone/>
+            </a:pPr>
+            <a:endParaRPr lang="en-IN" dirty="0"/>
+          </a:p>
+          <a:p>
+            <a:r>
+              <a:rPr lang="en-IN" dirty="0"/>
+              <a:t>Editor Settings - Access via Command Palette (</a:t>
+            </a:r>
+            <a:r>
+              <a:rPr lang="en-IN" dirty="0" err="1"/>
+              <a:t>Cmd</a:t>
+            </a:r>
+            <a:r>
+              <a:rPr lang="en-IN" dirty="0"/>
+              <a:t>/Ctrl + Shift + P) &gt; "Preferences: Open Settings (UI)“ . Adjust editor </a:t>
+            </a:r>
+            <a:r>
+              <a:rPr lang="en-IN" dirty="0" err="1"/>
+              <a:t>behavior</a:t>
+            </a:r>
+            <a:r>
+              <a:rPr lang="en-IN" dirty="0"/>
+              <a:t> and appearance</a:t>
+            </a:r>
+          </a:p>
+        </p:txBody>
+      </p:sp>
+    </p:spTree>
+    <p:extLst>
+      <p:ext uri="{BB962C8B-B14F-4D97-AF65-F5344CB8AC3E}">
+        <p14:creationId xmlns:p14="http://schemas.microsoft.com/office/powerpoint/2010/main" val="2879231877"/>
+      </p:ext>
+    </p:extLst>
+  </p:cSld>
+  <p:clrMapOvr>
+    <a:masterClrMapping/>
+  </p:clrMapOvr>
+</p:sld>
+</file>
+
+<file path=ppt/slides/slide20.xml><?xml version="1.0" encoding="utf-8"?>
 <p:sld xmlns:a="http://schemas.openxmlformats.org/drawingml/2006/main" xmlns:r="http://schemas.openxmlformats.org/officeDocument/2006/relationships" xmlns:p="http://schemas.openxmlformats.org/presentationml/2006/main">
   <p:cSld>
     <p:spTree>
@@ -4720,6 +4660,137 @@
 </p:sld>
 </file>
 
+<file path=ppt/slides/slide21.xml><?xml version="1.0" encoding="utf-8"?>
+<p:sld xmlns:a="http://schemas.openxmlformats.org/drawingml/2006/main" xmlns:r="http://schemas.openxmlformats.org/officeDocument/2006/relationships" xmlns:p="http://schemas.openxmlformats.org/presentationml/2006/main">
+  <p:cSld>
+    <p:spTree>
+      <p:nvGrpSpPr>
+        <p:cNvPr id="1" name=""/>
+        <p:cNvGrpSpPr/>
+        <p:nvPr/>
+      </p:nvGrpSpPr>
+      <p:grpSpPr>
+        <a:xfrm>
+          <a:off x="0" y="0"/>
+          <a:ext cx="0" cy="0"/>
+          <a:chOff x="0" y="0"/>
+          <a:chExt cx="0" cy="0"/>
+        </a:xfrm>
+      </p:grpSpPr>
+      <p:sp>
+        <p:nvSpPr>
+          <p:cNvPr id="2" name="Title 1">
+            <a:extLst>
+              <a:ext uri="{FF2B5EF4-FFF2-40B4-BE49-F238E27FC236}">
+                <a16:creationId xmlns:a16="http://schemas.microsoft.com/office/drawing/2014/main" id="{04CAEFCA-9251-E9C6-3285-DF8470C36E9F}"/>
+              </a:ext>
+            </a:extLst>
+          </p:cNvPr>
+          <p:cNvSpPr>
+            <a:spLocks noGrp="1"/>
+          </p:cNvSpPr>
+          <p:nvPr>
+            <p:ph type="title"/>
+          </p:nvPr>
+        </p:nvSpPr>
+        <p:spPr/>
+        <p:txBody>
+          <a:bodyPr/>
+          <a:lstStyle/>
+          <a:p>
+            <a:r>
+              <a:rPr lang="en-IN" b="1" u="sng" dirty="0"/>
+              <a:t>Privacy &amp; Security </a:t>
+            </a:r>
+          </a:p>
+        </p:txBody>
+      </p:sp>
+      <p:sp>
+        <p:nvSpPr>
+          <p:cNvPr id="3" name="Content Placeholder 2">
+            <a:extLst>
+              <a:ext uri="{FF2B5EF4-FFF2-40B4-BE49-F238E27FC236}">
+                <a16:creationId xmlns:a16="http://schemas.microsoft.com/office/drawing/2014/main" id="{1FBED3D9-4BC7-DECA-ACA2-44A1FD3981D9}"/>
+              </a:ext>
+            </a:extLst>
+          </p:cNvPr>
+          <p:cNvSpPr>
+            <a:spLocks noGrp="1"/>
+          </p:cNvSpPr>
+          <p:nvPr>
+            <p:ph idx="1"/>
+          </p:nvPr>
+        </p:nvSpPr>
+        <p:spPr/>
+        <p:txBody>
+          <a:bodyPr>
+            <a:normAutofit lnSpcReduction="10000"/>
+          </a:bodyPr>
+          <a:lstStyle/>
+          <a:p>
+            <a:r>
+              <a:rPr lang="en-US" dirty="0"/>
+              <a:t>With Privacy Mode enabled, none of your code will ever be stored by us or any third-party. Otherwise, we may collect prompts, code snippets and telemetry data to improve Cursor.</a:t>
+            </a:r>
+          </a:p>
+          <a:p>
+            <a:r>
+              <a:rPr lang="en-US" b="0" i="0" dirty="0">
+                <a:solidFill>
+                  <a:srgbClr val="3E3E3F"/>
+                </a:solidFill>
+                <a:effectLst/>
+                <a:latin typeface="GT Standard"/>
+              </a:rPr>
+              <a:t>Even if you use your API key, your requests will still go through our backend. That’s where we do our final prompt building.</a:t>
+            </a:r>
+          </a:p>
+          <a:p>
+            <a:pPr algn="l">
+              <a:buNone/>
+            </a:pPr>
+            <a:r>
+              <a:rPr lang="en-US" b="0" i="0" dirty="0">
+                <a:solidFill>
+                  <a:srgbClr val="3E3E3F"/>
+                </a:solidFill>
+                <a:effectLst/>
+                <a:latin typeface="GT Standard"/>
+              </a:rPr>
+              <a:t>If you choose to index your codebase, Cursor will upload your codebase in small chunks to our server to compute embeddings, but all plaintext code ceases to exist after the life of the request.</a:t>
+            </a:r>
+          </a:p>
+          <a:p>
+            <a:pPr algn="l"/>
+            <a:r>
+              <a:rPr lang="en-US" b="0" i="0" dirty="0">
+                <a:solidFill>
+                  <a:srgbClr val="3E3E3F"/>
+                </a:solidFill>
+                <a:effectLst/>
+                <a:latin typeface="GT Standard"/>
+              </a:rPr>
+              <a:t>The embeddings and metadata about your codebase (hashes, obfuscated file names) are stored in our database, but none of your code is.</a:t>
+            </a:r>
+          </a:p>
+          <a:p>
+            <a:endParaRPr lang="en-IN" dirty="0"/>
+          </a:p>
+        </p:txBody>
+      </p:sp>
+    </p:spTree>
+    <p:extLst>
+      <p:ext uri="{BB962C8B-B14F-4D97-AF65-F5344CB8AC3E}">
+        <p14:creationId xmlns:p14="http://schemas.microsoft.com/office/powerpoint/2010/main" val="372863611"/>
+      </p:ext>
+    </p:extLst>
+  </p:cSld>
+  <p:clrMapOvr>
+    <a:masterClrMapping/>
+  </p:clrMapOvr>
+</p:sld>
+</file>
+
 <file path=ppt/slides/slide22.xml><?xml version="1.0" encoding="utf-8"?>
 <p:sld xmlns:a="http://schemas.openxmlformats.org/drawingml/2006/main" xmlns:r="http://schemas.openxmlformats.org/officeDocument/2006/relationships" xmlns:p="http://schemas.openxmlformats.org/presentationml/2006/main">
   <p:cSld>
@@ -4742,7 +4813,7 @@
           <p:cNvPr id="2" name="Title 1">
             <a:extLst>
               <a:ext uri="{FF2B5EF4-FFF2-40B4-BE49-F238E27FC236}">
-                <a16:creationId xmlns:a16="http://schemas.microsoft.com/office/drawing/2014/main" id="{04CAEFCA-9251-E9C6-3285-DF8470C36E9F}"/>
+                <a16:creationId xmlns:a16="http://schemas.microsoft.com/office/drawing/2014/main" id="{076215BC-61A3-1BCB-3294-5319F297661F}"/>
               </a:ext>
             </a:extLst>
           </p:cNvPr>
@@ -4759,8 +4830,8 @@
           <a:lstStyle/>
           <a:p>
             <a:r>
-              <a:rPr lang="en-IN" b="1" u="sng" dirty="0"/>
-              <a:t>Privacy &amp; Security </a:t>
+              <a:rPr lang="en-IN" b="1" dirty="0"/>
+              <a:t>Cursor for Business: </a:t>
             </a:r>
           </a:p>
         </p:txBody>
@@ -4770,7 +4841,7 @@
           <p:cNvPr id="3" name="Content Placeholder 2">
             <a:extLst>
               <a:ext uri="{FF2B5EF4-FFF2-40B4-BE49-F238E27FC236}">
-                <a16:creationId xmlns:a16="http://schemas.microsoft.com/office/drawing/2014/main" id="{1FBED3D9-4BC7-DECA-ACA2-44A1FD3981D9}"/>
+                <a16:creationId xmlns:a16="http://schemas.microsoft.com/office/drawing/2014/main" id="{FCEEFB34-FD31-D6C0-A7FE-F162E7ADB642}"/>
               </a:ext>
             </a:extLst>
           </p:cNvPr>
@@ -4784,17 +4855,11 @@
         <p:spPr/>
         <p:txBody>
           <a:bodyPr>
-            <a:normAutofit lnSpcReduction="10000"/>
+            <a:normAutofit fontScale="92500" lnSpcReduction="10000"/>
           </a:bodyPr>
           <a:lstStyle/>
           <a:p>
             <a:r>
-              <a:rPr lang="en-US" dirty="0"/>
-              <a:t>With Privacy Mode enabled, none of your code will ever be stored by us or any third-party. Otherwise, we may collect prompts, code snippets and telemetry data to improve Cursor.</a:t>
-            </a:r>
-          </a:p>
-          <a:p>
-            <a:r>
               <a:rPr lang="en-US" b="0" i="0" dirty="0">
                 <a:solidFill>
                   <a:srgbClr val="3E3E3F"/>
@@ -4802,13 +4867,30 @@
                 <a:effectLst/>
                 <a:latin typeface="GT Standard"/>
               </a:rPr>
-              <a:t>Even if you use your API key, your requests will still go through our backend. That’s where we do our final prompt building.</a:t>
-            </a:r>
-          </a:p>
-          <a:p>
-            <a:pPr algn="l">
-              <a:buNone/>
-            </a:pPr>
+              <a:t>It has built a suite of tools to help you manage your team, including SSO, team management, and more.</a:t>
+            </a:r>
+          </a:p>
+          <a:p>
+            <a:r>
+              <a:rPr lang="en-US" dirty="0">
+                <a:solidFill>
+                  <a:srgbClr val="3E3E3F"/>
+                </a:solidFill>
+                <a:latin typeface="GT Standard"/>
+              </a:rPr>
+              <a:t>Create a team : </a:t>
+            </a:r>
+            <a:r>
+              <a:rPr lang="en-IN" dirty="0">
+                <a:solidFill>
+                  <a:srgbClr val="3E3E3F"/>
+                </a:solidFill>
+                <a:latin typeface="GT Standard"/>
+              </a:rPr>
+              <a:t>Set up Business plan , Enter team details, Invite members, Enable SSO (optional)</a:t>
+            </a:r>
+          </a:p>
+          <a:p>
             <a:r>
               <a:rPr lang="en-US" b="0" i="0" dirty="0">
                 <a:solidFill>
@@ -4817,11 +4899,18 @@
                 <a:effectLst/>
                 <a:latin typeface="GT Standard"/>
               </a:rPr>
-              <a:t>If you choose to index your codebase, Cursor will upload your codebase in small chunks to our server to compute embeddings, but all plaintext code ceases to exist after the life of the request.</a:t>
-            </a:r>
-          </a:p>
-          <a:p>
-            <a:pPr algn="l"/>
+              <a:t>Cursor is billed on a per-user basis, and does not have a fixed amount of seats. You can invite as many or as few users as you’d like to your team, and you will only be charged for the amount of users in your </a:t>
+            </a:r>
+            <a:r>
+              <a:rPr lang="en-US" b="0" i="0" dirty="0" err="1">
+                <a:solidFill>
+                  <a:srgbClr val="3E3E3F"/>
+                </a:solidFill>
+                <a:effectLst/>
+                <a:latin typeface="GT Standard"/>
+              </a:rPr>
+              <a:t>team.If</a:t>
+            </a:r>
             <a:r>
               <a:rPr lang="en-US" b="0" i="0" dirty="0">
                 <a:solidFill>
@@ -4830,18 +4919,42 @@
                 <a:effectLst/>
                 <a:latin typeface="GT Standard"/>
               </a:rPr>
-              <a:t>The embeddings and metadata about your codebase (hashes, obfuscated file names) are stored in our database, but none of your code is.</a:t>
-            </a:r>
-          </a:p>
-          <a:p>
-            <a:endParaRPr lang="en-IN" dirty="0"/>
+              <a:t> you add or remove users from your team, the billing will be updated immediately, and you will either be charged or refunded accordingly. Refunds are done as account credit, so will be automatically applied to your next invoice.</a:t>
+            </a:r>
+          </a:p>
+          <a:p>
+            <a:r>
+              <a:rPr lang="en-US" b="0" i="0">
+                <a:solidFill>
+                  <a:srgbClr val="3E3E3F"/>
+                </a:solidFill>
+                <a:effectLst/>
+                <a:latin typeface="GT Standard"/>
+              </a:rPr>
+              <a:t>Track team metrics including usage stats, per-user activity, and active user counts from the dashboard</a:t>
+            </a:r>
+            <a:endParaRPr lang="en-US" b="0" i="0" dirty="0">
+              <a:solidFill>
+                <a:srgbClr val="3E3E3F"/>
+              </a:solidFill>
+              <a:effectLst/>
+              <a:latin typeface="GT Standard"/>
+            </a:endParaRPr>
+          </a:p>
+          <a:p>
+            <a:endParaRPr lang="en-IN" dirty="0">
+              <a:solidFill>
+                <a:srgbClr val="3E3E3F"/>
+              </a:solidFill>
+              <a:latin typeface="GT Standard"/>
+            </a:endParaRPr>
           </a:p>
         </p:txBody>
       </p:sp>
     </p:spTree>
     <p:extLst>
       <p:ext uri="{BB962C8B-B14F-4D97-AF65-F5344CB8AC3E}">
-        <p14:creationId xmlns:p14="http://schemas.microsoft.com/office/powerpoint/2010/main" val="372863611"/>
+        <p14:creationId xmlns:p14="http://schemas.microsoft.com/office/powerpoint/2010/main" val="4038453690"/>
       </p:ext>
     </p:extLst>
   </p:cSld>
@@ -5135,7 +5248,7 @@
         </p:nvSpPr>
         <p:spPr>
           <a:xfrm>
-            <a:off x="621792" y="1207008"/>
+            <a:off x="856488" y="1207008"/>
             <a:ext cx="10732008" cy="4969955"/>
           </a:xfrm>
         </p:spPr>
@@ -6300,60 +6413,40 @@
           <a:chExt cx="0" cy="0"/>
         </a:xfrm>
       </p:grpSpPr>
-      <p:sp>
-        <p:nvSpPr>
-          <p:cNvPr id="2" name="Title 1">
-            <a:extLst>
-              <a:ext uri="{FF2B5EF4-FFF2-40B4-BE49-F238E27FC236}">
-                <a16:creationId xmlns:a16="http://schemas.microsoft.com/office/drawing/2014/main" id="{D9C8421B-ECCF-035E-81B4-3D9D0F86212D}"/>
-              </a:ext>
-            </a:extLst>
-          </p:cNvPr>
-          <p:cNvSpPr>
-            <a:spLocks noGrp="1"/>
-          </p:cNvSpPr>
-          <p:nvPr>
-            <p:ph type="title"/>
-          </p:nvPr>
-        </p:nvSpPr>
-        <p:spPr/>
-        <p:txBody>
-          <a:bodyPr/>
-          <a:lstStyle/>
-          <a:p>
-            <a:endParaRPr lang="en-IN"/>
-          </a:p>
-        </p:txBody>
-      </p:sp>
-      <p:sp>
-        <p:nvSpPr>
-          <p:cNvPr id="3" name="Content Placeholder 2">
-            <a:extLst>
-              <a:ext uri="{FF2B5EF4-FFF2-40B4-BE49-F238E27FC236}">
-                <a16:creationId xmlns:a16="http://schemas.microsoft.com/office/drawing/2014/main" id="{76DEB97F-4EDC-CF0B-778E-7320056D16C7}"/>
-              </a:ext>
-            </a:extLst>
-          </p:cNvPr>
-          <p:cNvSpPr>
-            <a:spLocks noGrp="1"/>
-          </p:cNvSpPr>
-          <p:nvPr>
-            <p:ph idx="1"/>
-          </p:nvPr>
-        </p:nvSpPr>
-        <p:spPr/>
-        <p:txBody>
-          <a:bodyPr/>
-          <a:lstStyle/>
-          <a:p>
-            <a:endParaRPr lang="en-IN"/>
-          </a:p>
-        </p:txBody>
-      </p:sp>
+      <p:pic>
+        <p:nvPicPr>
+          <p:cNvPr id="4" name="Picture 3">
+            <a:extLst>
+              <a:ext uri="{FF2B5EF4-FFF2-40B4-BE49-F238E27FC236}">
+                <a16:creationId xmlns:a16="http://schemas.microsoft.com/office/drawing/2014/main" id="{95FDF124-0580-6C31-CF6F-1D6F5B406ED1}"/>
+              </a:ext>
+            </a:extLst>
+          </p:cNvPr>
+          <p:cNvPicPr>
+            <a:picLocks noChangeAspect="1"/>
+          </p:cNvPicPr>
+          <p:nvPr/>
+        </p:nvPicPr>
+        <p:blipFill>
+          <a:blip r:embed="rId2"/>
+          <a:stretch>
+            <a:fillRect/>
+          </a:stretch>
+        </p:blipFill>
+        <p:spPr>
+          <a:xfrm>
+            <a:off x="2330256" y="1015876"/>
+            <a:ext cx="7531487" cy="4826248"/>
+          </a:xfrm>
+          <a:prstGeom prst="rect">
+            <a:avLst/>
+          </a:prstGeom>
+        </p:spPr>
+      </p:pic>
     </p:spTree>
     <p:extLst>
       <p:ext uri="{BB962C8B-B14F-4D97-AF65-F5344CB8AC3E}">
-        <p14:creationId xmlns:p14="http://schemas.microsoft.com/office/powerpoint/2010/main" val="3016605493"/>
+        <p14:creationId xmlns:p14="http://schemas.microsoft.com/office/powerpoint/2010/main" val="2533351174"/>
       </p:ext>
     </p:extLst>
   </p:cSld>
